--- a/statistics-an-unreliable-friend/mvps-4-croatia-20210116/statistics-an-unreliable-friend-mvps-4-croatia.pptx
+++ b/statistics-an-unreliable-friend/mvps-4-croatia-20210116/statistics-an-unreliable-friend-mvps-4-croatia.pptx
@@ -5,24 +5,23 @@
     <p:sldMasterId id="2147483746" r:id="rId1"/>
   </p:sldMasterIdLst>
   <p:notesMasterIdLst>
-    <p:notesMasterId r:id="rId17"/>
+    <p:notesMasterId r:id="rId16"/>
   </p:notesMasterIdLst>
   <p:sldIdLst>
     <p:sldId id="257" r:id="rId2"/>
     <p:sldId id="260" r:id="rId3"/>
     <p:sldId id="259" r:id="rId4"/>
-    <p:sldId id="261" r:id="rId5"/>
-    <p:sldId id="262" r:id="rId6"/>
-    <p:sldId id="263" r:id="rId7"/>
-    <p:sldId id="264" r:id="rId8"/>
-    <p:sldId id="265" r:id="rId9"/>
-    <p:sldId id="266" r:id="rId10"/>
-    <p:sldId id="267" r:id="rId11"/>
-    <p:sldId id="442" r:id="rId12"/>
-    <p:sldId id="443" r:id="rId13"/>
-    <p:sldId id="444" r:id="rId14"/>
-    <p:sldId id="445" r:id="rId15"/>
-    <p:sldId id="258" r:id="rId16"/>
+    <p:sldId id="262" r:id="rId5"/>
+    <p:sldId id="263" r:id="rId6"/>
+    <p:sldId id="264" r:id="rId7"/>
+    <p:sldId id="265" r:id="rId8"/>
+    <p:sldId id="266" r:id="rId9"/>
+    <p:sldId id="267" r:id="rId10"/>
+    <p:sldId id="442" r:id="rId11"/>
+    <p:sldId id="443" r:id="rId12"/>
+    <p:sldId id="444" r:id="rId13"/>
+    <p:sldId id="445" r:id="rId14"/>
+    <p:sldId id="258" r:id="rId15"/>
   </p:sldIdLst>
   <p:sldSz cx="12192000" cy="6858000"/>
   <p:notesSz cx="6858000" cy="9144000"/>
@@ -214,7 +213,7 @@
           <a:p>
             <a:fld id="{5B9F25FC-2520-4AF6-81C9-7C21E0A87A77}" type="datetimeFigureOut">
               <a:rPr lang="en-GB" smtClean="0"/>
-              <a:t>15/01/2021</a:t>
+              <a:t>16/01/2021</a:t>
             </a:fld>
             <a:endParaRPr lang="en-GB"/>
           </a:p>
@@ -727,7 +726,7 @@
           <a:p>
             <a:fld id="{9184DA70-C731-4C70-880D-CCD4705E623C}" type="datetime1">
               <a:rPr lang="en-US" smtClean="0"/>
-              <a:t>1/15/2021</a:t>
+              <a:t>1/16/2021</a:t>
             </a:fld>
             <a:endParaRPr lang="en-US" dirty="0"/>
           </a:p>
@@ -987,7 +986,7 @@
           <a:p>
             <a:fld id="{B612A279-0833-481D-8C56-F67FD0AC6C50}" type="datetime1">
               <a:rPr lang="en-US" smtClean="0"/>
-              <a:t>1/15/2021</a:t>
+              <a:t>1/16/2021</a:t>
             </a:fld>
             <a:endParaRPr lang="en-US" dirty="0"/>
           </a:p>
@@ -1229,7 +1228,7 @@
           <a:p>
             <a:fld id="{6587DA83-5663-4C9C-B9AA-0B40A3DAFF81}" type="datetime1">
               <a:rPr lang="en-US" smtClean="0"/>
-              <a:t>1/15/2021</a:t>
+              <a:t>1/16/2021</a:t>
             </a:fld>
             <a:endParaRPr lang="en-US" dirty="0"/>
           </a:p>
@@ -1422,7 +1421,7 @@
           <a:p>
             <a:fld id="{4BE1D723-8F53-4F53-90B0-1982A396982E}" type="datetime1">
               <a:rPr lang="en-US" smtClean="0"/>
-              <a:t>1/15/2021</a:t>
+              <a:t>1/16/2021</a:t>
             </a:fld>
             <a:endParaRPr lang="en-US" dirty="0"/>
           </a:p>
@@ -1836,7 +1835,7 @@
           <a:p>
             <a:fld id="{97669AF7-7BEB-44E4-9852-375E34362B5B}" type="datetime1">
               <a:rPr lang="en-US" smtClean="0"/>
-              <a:t>1/15/2021</a:t>
+              <a:t>1/16/2021</a:t>
             </a:fld>
             <a:endParaRPr lang="en-US" dirty="0"/>
           </a:p>
@@ -2091,7 +2090,7 @@
           <a:p>
             <a:fld id="{BAAAC38D-0552-4C82-B593-E6124DFADBE2}" type="datetime1">
               <a:rPr lang="en-US" smtClean="0"/>
-              <a:t>1/15/2021</a:t>
+              <a:t>1/16/2021</a:t>
             </a:fld>
             <a:endParaRPr lang="en-US" dirty="0"/>
           </a:p>
@@ -2488,7 +2487,7 @@
           <a:p>
             <a:fld id="{D9DF0F1C-5577-4ACB-BB62-DF8F3C494C7E}" type="datetime1">
               <a:rPr lang="en-US" smtClean="0"/>
-              <a:t>1/15/2021</a:t>
+              <a:t>1/16/2021</a:t>
             </a:fld>
             <a:endParaRPr lang="en-US" dirty="0"/>
           </a:p>
@@ -2624,7 +2623,7 @@
           <a:p>
             <a:fld id="{1775B394-D9F9-4F0C-B15D-605F45CB9E9F}" type="datetime1">
               <a:rPr lang="en-US" smtClean="0"/>
-              <a:t>1/15/2021</a:t>
+              <a:t>1/16/2021</a:t>
             </a:fld>
             <a:endParaRPr lang="en-US" dirty="0"/>
           </a:p>
@@ -2781,7 +2780,7 @@
           <a:p>
             <a:fld id="{39667345-2558-425A-8533-9BFDBCE15005}" type="datetime1">
               <a:rPr lang="en-US" smtClean="0"/>
-              <a:t>1/15/2021</a:t>
+              <a:t>1/16/2021</a:t>
             </a:fld>
             <a:endParaRPr lang="en-US" dirty="0"/>
           </a:p>
@@ -3109,7 +3108,7 @@
           <a:p>
             <a:fld id="{92BEA474-078D-4E9B-9B14-09A87B19DC46}" type="datetime1">
               <a:rPr lang="en-US" smtClean="0"/>
-              <a:t>1/15/2021</a:t>
+              <a:t>1/16/2021</a:t>
             </a:fld>
             <a:endParaRPr lang="en-US" dirty="0"/>
           </a:p>
@@ -3459,7 +3458,7 @@
           <a:p>
             <a:fld id="{4907D986-8816-4272-A432-0437A28A9828}" type="datetime1">
               <a:rPr lang="en-US" smtClean="0"/>
-              <a:t>1/15/2021</a:t>
+              <a:t>1/16/2021</a:t>
             </a:fld>
             <a:endParaRPr lang="en-US" dirty="0"/>
           </a:p>
@@ -3719,7 +3718,7 @@
           <a:p>
             <a:fld id="{62D6E202-B606-4609-B914-27C9371A1F6D}" type="datetime1">
               <a:rPr lang="en-US" smtClean="0"/>
-              <a:t>1/15/2021</a:t>
+              <a:t>1/16/2021</a:t>
             </a:fld>
             <a:endParaRPr lang="en-US" dirty="0"/>
           </a:p>
@@ -4633,13 +4632,7 @@
       </p:grpSpPr>
       <p:sp>
         <p:nvSpPr>
-          <p:cNvPr id="2" name="Rubrik 1">
-            <a:extLst>
-              <a:ext uri="{FF2B5EF4-FFF2-40B4-BE49-F238E27FC236}">
-                <a16:creationId xmlns:a16="http://schemas.microsoft.com/office/drawing/2014/main" id="{E2012DD4-5A46-4B5D-9EBE-289F178EAC97}"/>
-              </a:ext>
-            </a:extLst>
-          </p:cNvPr>
+          <p:cNvPr id="2" name="Title 1"/>
           <p:cNvSpPr>
             <a:spLocks noGrp="1"/>
           </p:cNvSpPr>
@@ -4653,30 +4646,16 @@
           <a:lstStyle/>
           <a:p>
             <a:r>
-              <a:rPr lang="sv-SE" dirty="0" err="1"/>
-              <a:t>Estimated</a:t>
-            </a:r>
-            <a:r>
-              <a:rPr lang="sv-SE" dirty="0"/>
-              <a:t> </a:t>
-            </a:r>
-            <a:r>
-              <a:rPr lang="sv-SE" dirty="0" err="1"/>
-              <a:t>rowcount</a:t>
-            </a:r>
-            <a:endParaRPr lang="sv-SE" dirty="0"/>
-          </a:p>
-        </p:txBody>
-      </p:sp>
-      <p:sp>
-        <p:nvSpPr>
-          <p:cNvPr id="3" name="Platshållare för innehåll 2">
-            <a:extLst>
-              <a:ext uri="{FF2B5EF4-FFF2-40B4-BE49-F238E27FC236}">
-                <a16:creationId xmlns:a16="http://schemas.microsoft.com/office/drawing/2014/main" id="{2F2AA169-6BCB-4E7A-8B22-C85364CB02F6}"/>
-              </a:ext>
-            </a:extLst>
-          </p:cNvPr>
+              <a:rPr lang="en-US" dirty="0"/>
+              <a:t>Ascending Key Problem</a:t>
+            </a:r>
+            <a:endParaRPr lang="en-IN" dirty="0"/>
+          </a:p>
+        </p:txBody>
+      </p:sp>
+      <p:sp>
+        <p:nvSpPr>
+          <p:cNvPr id="3" name="Content Placeholder 2"/>
           <p:cNvSpPr>
             <a:spLocks noGrp="1"/>
           </p:cNvSpPr>
@@ -4686,9 +4665,7 @@
         </p:nvSpPr>
         <p:spPr/>
         <p:txBody>
-          <a:bodyPr>
-            <a:normAutofit fontScale="47500" lnSpcReduction="20000"/>
-          </a:bodyPr>
+          <a:bodyPr/>
           <a:lstStyle/>
           <a:p>
             <a:r>
@@ -4697,31 +4674,15 @@
                   <a:schemeClr val="accent2"/>
                 </a:solidFill>
               </a:rPr>
-              <a:t>With histogram</a:t>
-            </a:r>
-          </a:p>
-          <a:p>
-            <a:r>
-              <a:rPr lang="en-US" sz="2200" dirty="0" err="1"/>
-              <a:t>OrderDate</a:t>
-            </a:r>
-            <a:r>
-              <a:rPr lang="en-US" sz="2200" dirty="0"/>
-              <a:t> = 2016-08-24: 12496</a:t>
-            </a:r>
-          </a:p>
-          <a:p>
-            <a:r>
-              <a:rPr lang="en-US" sz="2200" dirty="0" err="1"/>
-              <a:t>OrderDate</a:t>
-            </a:r>
-            <a:r>
-              <a:rPr lang="en-US" sz="2200" dirty="0"/>
-              <a:t> = 2016-08-25: 0 (Optimizer will estimate 1)</a:t>
-            </a:r>
-          </a:p>
-          <a:p>
-            <a:endParaRPr lang="en-US" sz="2200" dirty="0"/>
+              <a:t>Can also be missing key-in-the-middle problem</a:t>
+            </a:r>
+          </a:p>
+          <a:p>
+            <a:endParaRPr lang="en-US" sz="2400" dirty="0">
+              <a:solidFill>
+                <a:schemeClr val="accent2"/>
+              </a:solidFill>
+            </a:endParaRPr>
           </a:p>
           <a:p>
             <a:r>
@@ -4730,86 +4691,29 @@
                   <a:schemeClr val="accent2"/>
                 </a:solidFill>
               </a:rPr>
-              <a:t>With density vector</a:t>
-            </a:r>
-          </a:p>
-          <a:p>
-            <a:r>
-              <a:rPr lang="en-US" sz="2200" dirty="0"/>
-              <a:t>D = Density for column(s) involved in equality predicate. </a:t>
-            </a:r>
-          </a:p>
-          <a:p>
-            <a:pPr lvl="1"/>
-            <a:r>
-              <a:rPr lang="en-US" sz="2000" dirty="0"/>
-              <a:t>Example: </a:t>
-            </a:r>
-            <a:r>
-              <a:rPr lang="en-US" sz="2000" dirty="0" err="1"/>
-              <a:t>OrderDate</a:t>
-            </a:r>
-            <a:r>
-              <a:rPr lang="en-US" sz="2000" dirty="0"/>
-              <a:t> = 2020-08-25. Density for </a:t>
-            </a:r>
-            <a:r>
-              <a:rPr lang="en-US" sz="2000" dirty="0" err="1"/>
-              <a:t>OrderDate</a:t>
-            </a:r>
-            <a:r>
-              <a:rPr lang="en-US" sz="2000" dirty="0"/>
-              <a:t> = 0,004</a:t>
-            </a:r>
-          </a:p>
-          <a:p>
-            <a:r>
-              <a:rPr lang="en-US" sz="2200" dirty="0"/>
-              <a:t>RC = Total number of rows in the table</a:t>
-            </a:r>
-          </a:p>
-          <a:p>
-            <a:r>
-              <a:rPr lang="en-US" sz="2200" dirty="0"/>
-              <a:t>Estimated number of rows for equality predicate: D * RC</a:t>
-            </a:r>
-          </a:p>
-          <a:p>
-            <a:r>
-              <a:rPr lang="en-US" sz="2200" dirty="0"/>
-              <a:t>2020-08-24: 0,004 x 3 124 374 = 12497</a:t>
-            </a:r>
-          </a:p>
-          <a:p>
-            <a:r>
-              <a:rPr lang="en-US" sz="2200" dirty="0"/>
-              <a:t>2020-08-25: 0,004 x 3 124 374 = 12497</a:t>
-            </a:r>
-          </a:p>
-          <a:p>
-            <a:r>
-              <a:rPr lang="en-US" sz="2200" dirty="0"/>
-              <a:t>Then came New Cardinality Estimation. More on that later…</a:t>
-            </a:r>
-          </a:p>
-          <a:p>
-            <a:endParaRPr lang="en-US" sz="2200" dirty="0"/>
-          </a:p>
-          <a:p>
-            <a:pPr marL="0" indent="0">
-              <a:buNone/>
-            </a:pPr>
-            <a:endParaRPr lang="en-US" sz="2200" dirty="0"/>
-          </a:p>
-          <a:p>
-            <a:endParaRPr lang="sv-SE" dirty="0"/>
+              <a:t>Can also be bad estimates even with perfect statistics </a:t>
+            </a:r>
+            <a:r>
+              <a:rPr lang="en-US" sz="2400" dirty="0">
+                <a:solidFill>
+                  <a:schemeClr val="accent2"/>
+                </a:solidFill>
+                <a:sym typeface="Wingdings" panose="05000000000000000000" pitchFamily="2" charset="2"/>
+              </a:rPr>
+              <a:t></a:t>
+            </a:r>
+            <a:endParaRPr lang="en-US" sz="2400" dirty="0">
+              <a:solidFill>
+                <a:schemeClr val="accent2"/>
+              </a:solidFill>
+            </a:endParaRPr>
           </a:p>
         </p:txBody>
       </p:sp>
     </p:spTree>
     <p:extLst>
       <p:ext uri="{BB962C8B-B14F-4D97-AF65-F5344CB8AC3E}">
-        <p14:creationId xmlns:p14="http://schemas.microsoft.com/office/powerpoint/2010/main" val="1429041712"/>
+        <p14:creationId xmlns:p14="http://schemas.microsoft.com/office/powerpoint/2010/main" val="2373440529"/>
       </p:ext>
     </p:extLst>
   </p:cSld>
@@ -4838,12 +4742,18 @@
       </p:grpSpPr>
       <p:sp>
         <p:nvSpPr>
-          <p:cNvPr id="2" name="Title 1"/>
-          <p:cNvSpPr>
-            <a:spLocks noGrp="1"/>
-          </p:cNvSpPr>
-          <p:nvPr>
-            <p:ph type="title"/>
+          <p:cNvPr id="4" name="Title 3">
+            <a:extLst>
+              <a:ext uri="{FF2B5EF4-FFF2-40B4-BE49-F238E27FC236}">
+                <a16:creationId xmlns:a16="http://schemas.microsoft.com/office/drawing/2014/main" id="{2F3B06FE-1EBB-41D7-93E3-5C10851A64EA}"/>
+              </a:ext>
+            </a:extLst>
+          </p:cNvPr>
+          <p:cNvSpPr>
+            <a:spLocks noGrp="1"/>
+          </p:cNvSpPr>
+          <p:nvPr>
+            <p:ph type="ctrTitle"/>
           </p:nvPr>
         </p:nvSpPr>
         <p:spPr/>
@@ -4852,21 +4762,34 @@
           <a:lstStyle/>
           <a:p>
             <a:r>
-              <a:rPr lang="en-US" dirty="0"/>
-              <a:t>Ascending Key Problem</a:t>
-            </a:r>
-            <a:endParaRPr lang="en-IN" dirty="0"/>
-          </a:p>
-        </p:txBody>
-      </p:sp>
-      <p:sp>
-        <p:nvSpPr>
-          <p:cNvPr id="3" name="Content Placeholder 2"/>
-          <p:cNvSpPr>
-            <a:spLocks noGrp="1"/>
-          </p:cNvSpPr>
-          <p:nvPr>
-            <p:ph idx="1"/>
+              <a:rPr lang="en-US" i="1" dirty="0"/>
+              <a:t>DEMO</a:t>
+            </a:r>
+            <a:br>
+              <a:rPr lang="en-US" i="1" dirty="0"/>
+            </a:br>
+            <a:r>
+              <a:rPr lang="en-US" i="1" dirty="0"/>
+              <a:t>Suggested solutions</a:t>
+            </a:r>
+            <a:endParaRPr lang="en-GB" dirty="0"/>
+          </a:p>
+        </p:txBody>
+      </p:sp>
+      <p:sp>
+        <p:nvSpPr>
+          <p:cNvPr id="5" name="Subtitle 4">
+            <a:extLst>
+              <a:ext uri="{FF2B5EF4-FFF2-40B4-BE49-F238E27FC236}">
+                <a16:creationId xmlns:a16="http://schemas.microsoft.com/office/drawing/2014/main" id="{3F552B23-9417-4AC2-A9B8-340D49433D15}"/>
+              </a:ext>
+            </a:extLst>
+          </p:cNvPr>
+          <p:cNvSpPr>
+            <a:spLocks noGrp="1"/>
+          </p:cNvSpPr>
+          <p:nvPr>
+            <p:ph type="subTitle" idx="1"/>
           </p:nvPr>
         </p:nvSpPr>
         <p:spPr/>
@@ -4875,51 +4798,16 @@
           <a:lstStyle/>
           <a:p>
             <a:r>
-              <a:rPr lang="en-US" sz="2400" dirty="0">
-                <a:solidFill>
-                  <a:schemeClr val="accent2"/>
-                </a:solidFill>
-              </a:rPr>
-              <a:t>Can also be missing key-in-the-middle problem</a:t>
-            </a:r>
-          </a:p>
-          <a:p>
-            <a:endParaRPr lang="en-US" sz="2400" dirty="0">
-              <a:solidFill>
-                <a:schemeClr val="accent2"/>
-              </a:solidFill>
-            </a:endParaRPr>
-          </a:p>
-          <a:p>
-            <a:r>
-              <a:rPr lang="en-US" sz="2400" dirty="0">
-                <a:solidFill>
-                  <a:schemeClr val="accent2"/>
-                </a:solidFill>
-              </a:rPr>
-              <a:t>Can also be bad estimates even with perfect statistics </a:t>
-            </a:r>
-            <a:r>
-              <a:rPr lang="en-US" sz="2400" dirty="0">
-                <a:solidFill>
-                  <a:schemeClr val="accent2"/>
-                </a:solidFill>
-                <a:sym typeface="Wingdings" panose="05000000000000000000" pitchFamily="2" charset="2"/>
-              </a:rPr>
-              <a:t></a:t>
-            </a:r>
-            <a:endParaRPr lang="en-US" sz="2400" dirty="0">
-              <a:solidFill>
-                <a:schemeClr val="accent2"/>
-              </a:solidFill>
-            </a:endParaRPr>
+              <a:rPr lang="en-GB" dirty="0"/>
+              <a:t>Parametrization, Hints, Trace flags, Upgrade, “Voldemort solution”</a:t>
+            </a:r>
           </a:p>
         </p:txBody>
       </p:sp>
     </p:spTree>
     <p:extLst>
       <p:ext uri="{BB962C8B-B14F-4D97-AF65-F5344CB8AC3E}">
-        <p14:creationId xmlns:p14="http://schemas.microsoft.com/office/powerpoint/2010/main" val="2373440529"/>
+        <p14:creationId xmlns:p14="http://schemas.microsoft.com/office/powerpoint/2010/main" val="1649626546"/>
       </p:ext>
     </p:extLst>
   </p:cSld>
@@ -4948,18 +4836,12 @@
       </p:grpSpPr>
       <p:sp>
         <p:nvSpPr>
-          <p:cNvPr id="4" name="Title 3">
-            <a:extLst>
-              <a:ext uri="{FF2B5EF4-FFF2-40B4-BE49-F238E27FC236}">
-                <a16:creationId xmlns:a16="http://schemas.microsoft.com/office/drawing/2014/main" id="{2F3B06FE-1EBB-41D7-93E3-5C10851A64EA}"/>
-              </a:ext>
-            </a:extLst>
-          </p:cNvPr>
-          <p:cNvSpPr>
-            <a:spLocks noGrp="1"/>
-          </p:cNvSpPr>
-          <p:nvPr>
-            <p:ph type="ctrTitle"/>
+          <p:cNvPr id="2" name="Title 1"/>
+          <p:cNvSpPr>
+            <a:spLocks noGrp="1"/>
+          </p:cNvSpPr>
+          <p:nvPr>
+            <p:ph type="title"/>
           </p:nvPr>
         </p:nvSpPr>
         <p:spPr/>
@@ -4968,34 +4850,21 @@
           <a:lstStyle/>
           <a:p>
             <a:r>
-              <a:rPr lang="en-US" i="1" dirty="0"/>
-              <a:t>DEMO</a:t>
-            </a:r>
-            <a:br>
-              <a:rPr lang="en-US" i="1" dirty="0"/>
-            </a:br>
-            <a:r>
-              <a:rPr lang="en-US" i="1" dirty="0"/>
-              <a:t>Suggested solutions</a:t>
-            </a:r>
-            <a:endParaRPr lang="en-GB" dirty="0"/>
-          </a:p>
-        </p:txBody>
-      </p:sp>
-      <p:sp>
-        <p:nvSpPr>
-          <p:cNvPr id="5" name="Subtitle 4">
-            <a:extLst>
-              <a:ext uri="{FF2B5EF4-FFF2-40B4-BE49-F238E27FC236}">
-                <a16:creationId xmlns:a16="http://schemas.microsoft.com/office/drawing/2014/main" id="{3F552B23-9417-4AC2-A9B8-340D49433D15}"/>
-              </a:ext>
-            </a:extLst>
-          </p:cNvPr>
-          <p:cNvSpPr>
-            <a:spLocks noGrp="1"/>
-          </p:cNvSpPr>
-          <p:nvPr>
-            <p:ph type="subTitle" idx="1"/>
+              <a:rPr lang="en-US" dirty="0"/>
+              <a:t>Other causes of bad guessing on Optimizer part </a:t>
+            </a:r>
+            <a:endParaRPr lang="en-IN" dirty="0"/>
+          </a:p>
+        </p:txBody>
+      </p:sp>
+      <p:sp>
+        <p:nvSpPr>
+          <p:cNvPr id="3" name="Content Placeholder 2"/>
+          <p:cNvSpPr>
+            <a:spLocks noGrp="1"/>
+          </p:cNvSpPr>
+          <p:nvPr>
+            <p:ph idx="1"/>
           </p:nvPr>
         </p:nvSpPr>
         <p:spPr/>
@@ -5004,16 +4873,66 @@
           <a:lstStyle/>
           <a:p>
             <a:r>
-              <a:rPr lang="en-GB" dirty="0"/>
-              <a:t>Parametrization, Hints, Trace flags, Upgrade, “Voldemort solution”</a:t>
-            </a:r>
+              <a:rPr lang="en-US" sz="2400" dirty="0">
+                <a:solidFill>
+                  <a:schemeClr val="accent2"/>
+                </a:solidFill>
+              </a:rPr>
+              <a:t>Statistics updated with low sample rate and skewed data</a:t>
+            </a:r>
+          </a:p>
+          <a:p>
+            <a:endParaRPr lang="en-US" sz="2400" dirty="0">
+              <a:solidFill>
+                <a:schemeClr val="accent2"/>
+              </a:solidFill>
+            </a:endParaRPr>
+          </a:p>
+          <a:p>
+            <a:r>
+              <a:rPr lang="en-US" sz="2400" dirty="0">
+                <a:solidFill>
+                  <a:schemeClr val="accent2"/>
+                </a:solidFill>
+              </a:rPr>
+              <a:t>Bad cardinality estimation due to complex predicate and join logic</a:t>
+            </a:r>
+          </a:p>
+          <a:p>
+            <a:endParaRPr lang="en-US" sz="2400" dirty="0">
+              <a:solidFill>
+                <a:schemeClr val="accent2"/>
+              </a:solidFill>
+            </a:endParaRPr>
+          </a:p>
+          <a:p>
+            <a:r>
+              <a:rPr lang="en-US" sz="2400" dirty="0">
+                <a:solidFill>
+                  <a:schemeClr val="accent2"/>
+                </a:solidFill>
+              </a:rPr>
+              <a:t>SQL 2014 and later addresses Ascending Key (with varying success)</a:t>
+            </a:r>
+          </a:p>
+          <a:p>
+            <a:pPr lvl="1"/>
+            <a:r>
+              <a:rPr lang="en-US" sz="2200" dirty="0"/>
+              <a:t>But also introduce new cardinality estimator</a:t>
+            </a:r>
+            <a:endParaRPr lang="en-US" sz="2200" dirty="0">
+              <a:solidFill>
+                <a:schemeClr val="accent2"/>
+              </a:solidFill>
+            </a:endParaRPr>
           </a:p>
         </p:txBody>
       </p:sp>
     </p:spTree>
     <p:extLst>
       <p:ext uri="{BB962C8B-B14F-4D97-AF65-F5344CB8AC3E}">
-        <p14:creationId xmlns:p14="http://schemas.microsoft.com/office/powerpoint/2010/main" val="1649626546"/>
+        <p14:creationId xmlns:p14="http://schemas.microsoft.com/office/powerpoint/2010/main" val="2023993783"/>
       </p:ext>
     </p:extLst>
   </p:cSld>
@@ -5042,131 +4961,6 @@
       </p:grpSpPr>
       <p:sp>
         <p:nvSpPr>
-          <p:cNvPr id="2" name="Title 1"/>
-          <p:cNvSpPr>
-            <a:spLocks noGrp="1"/>
-          </p:cNvSpPr>
-          <p:nvPr>
-            <p:ph type="title"/>
-          </p:nvPr>
-        </p:nvSpPr>
-        <p:spPr/>
-        <p:txBody>
-          <a:bodyPr/>
-          <a:lstStyle/>
-          <a:p>
-            <a:r>
-              <a:rPr lang="en-US" dirty="0"/>
-              <a:t>Other causes of bad guessing on Optimizer part </a:t>
-            </a:r>
-            <a:endParaRPr lang="en-IN" dirty="0"/>
-          </a:p>
-        </p:txBody>
-      </p:sp>
-      <p:sp>
-        <p:nvSpPr>
-          <p:cNvPr id="3" name="Content Placeholder 2"/>
-          <p:cNvSpPr>
-            <a:spLocks noGrp="1"/>
-          </p:cNvSpPr>
-          <p:nvPr>
-            <p:ph idx="1"/>
-          </p:nvPr>
-        </p:nvSpPr>
-        <p:spPr/>
-        <p:txBody>
-          <a:bodyPr/>
-          <a:lstStyle/>
-          <a:p>
-            <a:r>
-              <a:rPr lang="en-US" sz="2400" dirty="0">
-                <a:solidFill>
-                  <a:schemeClr val="accent2"/>
-                </a:solidFill>
-              </a:rPr>
-              <a:t>Statistics updated with low sample rate and skewed data</a:t>
-            </a:r>
-          </a:p>
-          <a:p>
-            <a:endParaRPr lang="en-US" sz="2400" dirty="0">
-              <a:solidFill>
-                <a:schemeClr val="accent2"/>
-              </a:solidFill>
-            </a:endParaRPr>
-          </a:p>
-          <a:p>
-            <a:r>
-              <a:rPr lang="en-US" sz="2400" dirty="0">
-                <a:solidFill>
-                  <a:schemeClr val="accent2"/>
-                </a:solidFill>
-              </a:rPr>
-              <a:t>Bad cardinality estimation due to complex predicate and join logic</a:t>
-            </a:r>
-          </a:p>
-          <a:p>
-            <a:endParaRPr lang="en-US" sz="2400" dirty="0">
-              <a:solidFill>
-                <a:schemeClr val="accent2"/>
-              </a:solidFill>
-            </a:endParaRPr>
-          </a:p>
-          <a:p>
-            <a:r>
-              <a:rPr lang="en-US" sz="2400" dirty="0">
-                <a:solidFill>
-                  <a:schemeClr val="accent2"/>
-                </a:solidFill>
-              </a:rPr>
-              <a:t>SQL 2014 and later addresses Ascending Key (with varying success)</a:t>
-            </a:r>
-          </a:p>
-          <a:p>
-            <a:pPr lvl="1"/>
-            <a:r>
-              <a:rPr lang="en-US" sz="2200" dirty="0"/>
-              <a:t>But also introduce new cardinality estimator</a:t>
-            </a:r>
-            <a:endParaRPr lang="en-US" sz="2200" dirty="0">
-              <a:solidFill>
-                <a:schemeClr val="accent2"/>
-              </a:solidFill>
-            </a:endParaRPr>
-          </a:p>
-        </p:txBody>
-      </p:sp>
-    </p:spTree>
-    <p:extLst>
-      <p:ext uri="{BB962C8B-B14F-4D97-AF65-F5344CB8AC3E}">
-        <p14:creationId xmlns:p14="http://schemas.microsoft.com/office/powerpoint/2010/main" val="2023993783"/>
-      </p:ext>
-    </p:extLst>
-  </p:cSld>
-  <p:clrMapOvr>
-    <a:masterClrMapping/>
-  </p:clrMapOvr>
-</p:sld>
-</file>
-
-<file path=ppt/slides/slide14.xml><?xml version="1.0" encoding="utf-8"?>
-<p:sld xmlns:a="http://schemas.openxmlformats.org/drawingml/2006/main" xmlns:r="http://schemas.openxmlformats.org/officeDocument/2006/relationships" xmlns:p="http://schemas.openxmlformats.org/presentationml/2006/main">
-  <p:cSld>
-    <p:spTree>
-      <p:nvGrpSpPr>
-        <p:cNvPr id="1" name=""/>
-        <p:cNvGrpSpPr/>
-        <p:nvPr/>
-      </p:nvGrpSpPr>
-      <p:grpSpPr>
-        <a:xfrm>
-          <a:off x="0" y="0"/>
-          <a:ext cx="0" cy="0"/>
-          <a:chOff x="0" y="0"/>
-          <a:chExt cx="0" cy="0"/>
-        </a:xfrm>
-      </p:grpSpPr>
-      <p:sp>
-        <p:nvSpPr>
           <p:cNvPr id="4" name="Title 3">
             <a:extLst>
               <a:ext uri="{FF2B5EF4-FFF2-40B4-BE49-F238E27FC236}">
@@ -5264,7 +5058,7 @@
 </p:sld>
 </file>
 
-<file path=ppt/slides/slide15.xml><?xml version="1.0" encoding="utf-8"?>
+<file path=ppt/slides/slide14.xml><?xml version="1.0" encoding="utf-8"?>
 <p:sld xmlns:a="http://schemas.openxmlformats.org/drawingml/2006/main" xmlns:r="http://schemas.openxmlformats.org/officeDocument/2006/relationships" xmlns:p="http://schemas.openxmlformats.org/presentationml/2006/main">
   <p:cSld>
     <p:bg>
@@ -6015,7 +5809,7 @@
           <a:p>
             <a:r>
               <a:rPr lang="en-GB" dirty="0"/>
-              <a:t>Why this presentation?</a:t>
+              <a:t>Session scenario</a:t>
             </a:r>
           </a:p>
         </p:txBody>
@@ -6043,69 +5837,33 @@
           <a:p>
             <a:r>
               <a:rPr lang="en-GB" dirty="0"/>
-              <a:t>System for reporting financial statistics</a:t>
+              <a:t>Order system</a:t>
             </a:r>
           </a:p>
           <a:p>
             <a:r>
               <a:rPr lang="en-GB" dirty="0"/>
-              <a:t>Tight deadline for “crunching” numbers</a:t>
+              <a:t>Ship orders to warehouse system</a:t>
             </a:r>
           </a:p>
           <a:p>
             <a:r>
               <a:rPr lang="en-GB" dirty="0"/>
-              <a:t>Performance issues</a:t>
-            </a:r>
-          </a:p>
-          <a:p>
-            <a:pPr lvl="1"/>
+              <a:t>OK Performance mostly, getting today’s orders however problematic</a:t>
+            </a:r>
+          </a:p>
+          <a:p>
             <a:r>
               <a:rPr lang="en-GB" dirty="0"/>
-              <a:t>Bad performance on reporting day</a:t>
-            </a:r>
-          </a:p>
-          <a:p>
-            <a:pPr lvl="1"/>
-            <a:r>
-              <a:rPr lang="en-GB" dirty="0"/>
-              <a:t>Reporting done late</a:t>
-            </a:r>
-          </a:p>
-          <a:p>
-            <a:pPr lvl="1"/>
-            <a:r>
-              <a:rPr lang="en-GB" dirty="0"/>
-              <a:t>Users unhappy</a:t>
-            </a:r>
-          </a:p>
-          <a:p>
-            <a:pPr lvl="1"/>
-            <a:r>
-              <a:rPr lang="en-GB" dirty="0"/>
-              <a:t>DBA yelled at</a:t>
-            </a:r>
-          </a:p>
-          <a:p>
-            <a:pPr lvl="1"/>
-            <a:r>
-              <a:rPr lang="en-GB" dirty="0"/>
-              <a:t>DBA unhappy </a:t>
-            </a:r>
-            <a:r>
-              <a:rPr lang="en-GB" dirty="0">
-                <a:sym typeface="Wingdings" panose="05000000000000000000" pitchFamily="2" charset="2"/>
-              </a:rPr>
-              <a:t></a:t>
-            </a:r>
-            <a:endParaRPr lang="en-GB" dirty="0"/>
+              <a:t>We will start in the age of SQL Server 2008</a:t>
+            </a:r>
           </a:p>
         </p:txBody>
       </p:sp>
     </p:spTree>
     <p:extLst>
       <p:ext uri="{BB962C8B-B14F-4D97-AF65-F5344CB8AC3E}">
-        <p14:creationId xmlns:p14="http://schemas.microsoft.com/office/powerpoint/2010/main" val="2353774579"/>
+        <p14:creationId xmlns:p14="http://schemas.microsoft.com/office/powerpoint/2010/main" val="3158480555"/>
       </p:ext>
     </p:extLst>
   </p:cSld>
@@ -6137,110 +5895,6 @@
           <p:cNvPr id="4" name="Title 3">
             <a:extLst>
               <a:ext uri="{FF2B5EF4-FFF2-40B4-BE49-F238E27FC236}">
-                <a16:creationId xmlns:a16="http://schemas.microsoft.com/office/drawing/2014/main" id="{D7C2FD60-4724-48B9-AC98-8E202226CAB8}"/>
-              </a:ext>
-            </a:extLst>
-          </p:cNvPr>
-          <p:cNvSpPr>
-            <a:spLocks noGrp="1"/>
-          </p:cNvSpPr>
-          <p:nvPr>
-            <p:ph type="title"/>
-          </p:nvPr>
-        </p:nvSpPr>
-        <p:spPr/>
-        <p:txBody>
-          <a:bodyPr/>
-          <a:lstStyle/>
-          <a:p>
-            <a:r>
-              <a:rPr lang="en-GB" dirty="0"/>
-              <a:t>Session scenario</a:t>
-            </a:r>
-          </a:p>
-        </p:txBody>
-      </p:sp>
-      <p:sp>
-        <p:nvSpPr>
-          <p:cNvPr id="5" name="Content Placeholder 4">
-            <a:extLst>
-              <a:ext uri="{FF2B5EF4-FFF2-40B4-BE49-F238E27FC236}">
-                <a16:creationId xmlns:a16="http://schemas.microsoft.com/office/drawing/2014/main" id="{854DB51F-06AD-4AFC-8F5B-3058732F549F}"/>
-              </a:ext>
-            </a:extLst>
-          </p:cNvPr>
-          <p:cNvSpPr>
-            <a:spLocks noGrp="1"/>
-          </p:cNvSpPr>
-          <p:nvPr>
-            <p:ph idx="1"/>
-          </p:nvPr>
-        </p:nvSpPr>
-        <p:spPr/>
-        <p:txBody>
-          <a:bodyPr/>
-          <a:lstStyle/>
-          <a:p>
-            <a:r>
-              <a:rPr lang="en-GB" dirty="0"/>
-              <a:t>Order system</a:t>
-            </a:r>
-          </a:p>
-          <a:p>
-            <a:r>
-              <a:rPr lang="en-GB" dirty="0"/>
-              <a:t>Ship orders to warehouse system</a:t>
-            </a:r>
-          </a:p>
-          <a:p>
-            <a:r>
-              <a:rPr lang="en-GB" dirty="0"/>
-              <a:t>OK Performance mostly, getting today’s orders however problematic</a:t>
-            </a:r>
-          </a:p>
-          <a:p>
-            <a:r>
-              <a:rPr lang="en-GB" dirty="0"/>
-              <a:t>We will start in the age of SQL Server 2008</a:t>
-            </a:r>
-          </a:p>
-        </p:txBody>
-      </p:sp>
-    </p:spTree>
-    <p:extLst>
-      <p:ext uri="{BB962C8B-B14F-4D97-AF65-F5344CB8AC3E}">
-        <p14:creationId xmlns:p14="http://schemas.microsoft.com/office/powerpoint/2010/main" val="3158480555"/>
-      </p:ext>
-    </p:extLst>
-  </p:cSld>
-  <p:clrMapOvr>
-    <a:masterClrMapping/>
-  </p:clrMapOvr>
-</p:sld>
-</file>
-
-<file path=ppt/slides/slide6.xml><?xml version="1.0" encoding="utf-8"?>
-<p:sld xmlns:a="http://schemas.openxmlformats.org/drawingml/2006/main" xmlns:r="http://schemas.openxmlformats.org/officeDocument/2006/relationships" xmlns:p="http://schemas.openxmlformats.org/presentationml/2006/main">
-  <p:cSld>
-    <p:spTree>
-      <p:nvGrpSpPr>
-        <p:cNvPr id="1" name=""/>
-        <p:cNvGrpSpPr/>
-        <p:nvPr/>
-      </p:nvGrpSpPr>
-      <p:grpSpPr>
-        <a:xfrm>
-          <a:off x="0" y="0"/>
-          <a:ext cx="0" cy="0"/>
-          <a:chOff x="0" y="0"/>
-          <a:chExt cx="0" cy="0"/>
-        </a:xfrm>
-      </p:grpSpPr>
-      <p:sp>
-        <p:nvSpPr>
-          <p:cNvPr id="4" name="Title 3">
-            <a:extLst>
-              <a:ext uri="{FF2B5EF4-FFF2-40B4-BE49-F238E27FC236}">
                 <a16:creationId xmlns:a16="http://schemas.microsoft.com/office/drawing/2014/main" id="{2F3B06FE-1EBB-41D7-93E3-5C10851A64EA}"/>
               </a:ext>
             </a:extLst>
@@ -6306,7 +5960,7 @@
 </p:sld>
 </file>
 
-<file path=ppt/slides/slide7.xml><?xml version="1.0" encoding="utf-8"?>
+<file path=ppt/slides/slide6.xml><?xml version="1.0" encoding="utf-8"?>
 <p:sld xmlns:a="http://schemas.openxmlformats.org/drawingml/2006/main" xmlns:r="http://schemas.openxmlformats.org/officeDocument/2006/relationships" xmlns:p="http://schemas.openxmlformats.org/presentationml/2006/main">
   <p:cSld>
     <p:spTree>
@@ -6485,6 +6139,106 @@
 </p:sld>
 </file>
 
+<file path=ppt/slides/slide7.xml><?xml version="1.0" encoding="utf-8"?>
+<p:sld xmlns:a="http://schemas.openxmlformats.org/drawingml/2006/main" xmlns:r="http://schemas.openxmlformats.org/officeDocument/2006/relationships" xmlns:p="http://schemas.openxmlformats.org/presentationml/2006/main">
+  <p:cSld>
+    <p:spTree>
+      <p:nvGrpSpPr>
+        <p:cNvPr id="1" name=""/>
+        <p:cNvGrpSpPr/>
+        <p:nvPr/>
+      </p:nvGrpSpPr>
+      <p:grpSpPr>
+        <a:xfrm>
+          <a:off x="0" y="0"/>
+          <a:ext cx="0" cy="0"/>
+          <a:chOff x="0" y="0"/>
+          <a:chExt cx="0" cy="0"/>
+        </a:xfrm>
+      </p:grpSpPr>
+      <p:sp>
+        <p:nvSpPr>
+          <p:cNvPr id="4" name="Title 3">
+            <a:extLst>
+              <a:ext uri="{FF2B5EF4-FFF2-40B4-BE49-F238E27FC236}">
+                <a16:creationId xmlns:a16="http://schemas.microsoft.com/office/drawing/2014/main" id="{2F3B06FE-1EBB-41D7-93E3-5C10851A64EA}"/>
+              </a:ext>
+            </a:extLst>
+          </p:cNvPr>
+          <p:cNvSpPr>
+            <a:spLocks noGrp="1"/>
+          </p:cNvSpPr>
+          <p:nvPr>
+            <p:ph type="ctrTitle"/>
+          </p:nvPr>
+        </p:nvSpPr>
+        <p:spPr/>
+        <p:txBody>
+          <a:bodyPr/>
+          <a:lstStyle/>
+          <a:p>
+            <a:r>
+              <a:rPr lang="en-US" i="1" dirty="0"/>
+              <a:t>DEMO</a:t>
+            </a:r>
+            <a:br>
+              <a:rPr lang="en-US" i="1" dirty="0"/>
+            </a:br>
+            <a:r>
+              <a:rPr lang="en-US" i="1" dirty="0"/>
+              <a:t>I know why it’s slow</a:t>
+            </a:r>
+            <a:endParaRPr lang="en-GB" dirty="0"/>
+          </a:p>
+        </p:txBody>
+      </p:sp>
+      <p:sp>
+        <p:nvSpPr>
+          <p:cNvPr id="5" name="Subtitle 4">
+            <a:extLst>
+              <a:ext uri="{FF2B5EF4-FFF2-40B4-BE49-F238E27FC236}">
+                <a16:creationId xmlns:a16="http://schemas.microsoft.com/office/drawing/2014/main" id="{3F552B23-9417-4AC2-A9B8-340D49433D15}"/>
+              </a:ext>
+            </a:extLst>
+          </p:cNvPr>
+          <p:cNvSpPr>
+            <a:spLocks noGrp="1"/>
+          </p:cNvSpPr>
+          <p:nvPr>
+            <p:ph type="subTitle" idx="1"/>
+          </p:nvPr>
+        </p:nvSpPr>
+        <p:spPr/>
+        <p:txBody>
+          <a:bodyPr/>
+          <a:lstStyle/>
+          <a:p>
+            <a:r>
+              <a:rPr lang="en-GB" dirty="0"/>
+              <a:t>It’s the statistics, it’s all lies.</a:t>
+            </a:r>
+          </a:p>
+          <a:p>
+            <a:r>
+              <a:rPr lang="en-GB" dirty="0"/>
+              <a:t>Or fake news for a more modern reference</a:t>
+            </a:r>
+          </a:p>
+        </p:txBody>
+      </p:sp>
+    </p:spTree>
+    <p:extLst>
+      <p:ext uri="{BB962C8B-B14F-4D97-AF65-F5344CB8AC3E}">
+        <p14:creationId xmlns:p14="http://schemas.microsoft.com/office/powerpoint/2010/main" val="76936541"/>
+      </p:ext>
+    </p:extLst>
+  </p:cSld>
+  <p:clrMapOvr>
+    <a:masterClrMapping/>
+  </p:clrMapOvr>
+</p:sld>
+</file>
+
 <file path=ppt/slides/slide8.xml><?xml version="1.0" encoding="utf-8"?>
 <p:sld xmlns:a="http://schemas.openxmlformats.org/drawingml/2006/main" xmlns:r="http://schemas.openxmlformats.org/officeDocument/2006/relationships" xmlns:p="http://schemas.openxmlformats.org/presentationml/2006/main">
   <p:cSld>
@@ -6504,10 +6258,10 @@
       </p:grpSpPr>
       <p:sp>
         <p:nvSpPr>
-          <p:cNvPr id="4" name="Title 3">
+          <p:cNvPr id="2" name="Rubrik 1">
             <a:extLst>
               <a:ext uri="{FF2B5EF4-FFF2-40B4-BE49-F238E27FC236}">
-                <a16:creationId xmlns:a16="http://schemas.microsoft.com/office/drawing/2014/main" id="{2F3B06FE-1EBB-41D7-93E3-5C10851A64EA}"/>
+                <a16:creationId xmlns:a16="http://schemas.microsoft.com/office/drawing/2014/main" id="{AC90442F-A0F1-4EFF-A990-1BF5DC2644A0}"/>
               </a:ext>
             </a:extLst>
           </p:cNvPr>
@@ -6515,7 +6269,7 @@
             <a:spLocks noGrp="1"/>
           </p:cNvSpPr>
           <p:nvPr>
-            <p:ph type="ctrTitle"/>
+            <p:ph type="title"/>
           </p:nvPr>
         </p:nvSpPr>
         <p:spPr/>
@@ -6524,26 +6278,35 @@
           <a:lstStyle/>
           <a:p>
             <a:r>
-              <a:rPr lang="en-US" i="1" dirty="0"/>
-              <a:t>DEMO</a:t>
-            </a:r>
-            <a:br>
-              <a:rPr lang="en-US" i="1" dirty="0"/>
-            </a:br>
-            <a:r>
-              <a:rPr lang="en-US" i="1" dirty="0"/>
-              <a:t>I know why it’s slow</a:t>
-            </a:r>
-            <a:endParaRPr lang="en-GB" dirty="0"/>
-          </a:p>
-        </p:txBody>
-      </p:sp>
-      <p:sp>
-        <p:nvSpPr>
-          <p:cNvPr id="5" name="Subtitle 4">
+              <a:rPr lang="sv-SE" dirty="0" err="1"/>
+              <a:t>Statistics</a:t>
+            </a:r>
+            <a:r>
+              <a:rPr lang="sv-SE" dirty="0"/>
+              <a:t> </a:t>
+            </a:r>
+            <a:r>
+              <a:rPr lang="sv-SE" dirty="0" err="1"/>
+              <a:t>density</a:t>
+            </a:r>
+            <a:r>
+              <a:rPr lang="sv-SE" dirty="0"/>
+              <a:t> </a:t>
+            </a:r>
+            <a:r>
+              <a:rPr lang="sv-SE" dirty="0" err="1"/>
+              <a:t>vector</a:t>
+            </a:r>
+            <a:endParaRPr lang="sv-SE" dirty="0"/>
+          </a:p>
+        </p:txBody>
+      </p:sp>
+      <p:sp>
+        <p:nvSpPr>
+          <p:cNvPr id="3" name="Platshållare för innehåll 2">
             <a:extLst>
               <a:ext uri="{FF2B5EF4-FFF2-40B4-BE49-F238E27FC236}">
-                <a16:creationId xmlns:a16="http://schemas.microsoft.com/office/drawing/2014/main" id="{3F552B23-9417-4AC2-A9B8-340D49433D15}"/>
+                <a16:creationId xmlns:a16="http://schemas.microsoft.com/office/drawing/2014/main" id="{F9BBBC45-C383-4871-8C85-89BC35D93950}"/>
               </a:ext>
             </a:extLst>
           </p:cNvPr>
@@ -6551,7 +6314,7 @@
             <a:spLocks noGrp="1"/>
           </p:cNvSpPr>
           <p:nvPr>
-            <p:ph type="subTitle" idx="1"/>
+            <p:ph idx="1"/>
           </p:nvPr>
         </p:nvSpPr>
         <p:spPr/>
@@ -6560,14 +6323,31 @@
           <a:lstStyle/>
           <a:p>
             <a:r>
-              <a:rPr lang="en-GB" dirty="0"/>
-              <a:t>It’s the statistics, it’s all lies.</a:t>
-            </a:r>
-          </a:p>
-          <a:p>
-            <a:r>
-              <a:rPr lang="en-GB" dirty="0"/>
-              <a:t>Or fake news for a more modern reference</a:t>
+              <a:rPr lang="en-US" dirty="0"/>
+              <a:t>Density of leading column, then two leading columns in combination, then three leading columns…</a:t>
+            </a:r>
+          </a:p>
+          <a:p>
+            <a:r>
+              <a:rPr lang="en-US" dirty="0"/>
+              <a:t>Density = 1 / </a:t>
+            </a:r>
+            <a:r>
+              <a:rPr lang="en-US" dirty="0" err="1"/>
+              <a:t>DistinctValuesCount</a:t>
+            </a:r>
+            <a:endParaRPr lang="en-US" dirty="0"/>
+          </a:p>
+          <a:p>
+            <a:r>
+              <a:rPr lang="en-US" dirty="0"/>
+              <a:t>Gender = High density, SSN = Low density</a:t>
+            </a:r>
+          </a:p>
+          <a:p>
+            <a:r>
+              <a:rPr lang="en-US" dirty="0"/>
+              <a:t>Low Selectivity = High Density</a:t>
             </a:r>
           </a:p>
         </p:txBody>
@@ -6575,7 +6355,7 @@
     </p:spTree>
     <p:extLst>
       <p:ext uri="{BB962C8B-B14F-4D97-AF65-F5344CB8AC3E}">
-        <p14:creationId xmlns:p14="http://schemas.microsoft.com/office/powerpoint/2010/main" val="76936541"/>
+        <p14:creationId xmlns:p14="http://schemas.microsoft.com/office/powerpoint/2010/main" val="2261533964"/>
       </p:ext>
     </p:extLst>
   </p:cSld>
@@ -6607,7 +6387,7 @@
           <p:cNvPr id="2" name="Rubrik 1">
             <a:extLst>
               <a:ext uri="{FF2B5EF4-FFF2-40B4-BE49-F238E27FC236}">
-                <a16:creationId xmlns:a16="http://schemas.microsoft.com/office/drawing/2014/main" id="{AC90442F-A0F1-4EFF-A990-1BF5DC2644A0}"/>
+                <a16:creationId xmlns:a16="http://schemas.microsoft.com/office/drawing/2014/main" id="{E2012DD4-5A46-4B5D-9EBE-289F178EAC97}"/>
               </a:ext>
             </a:extLst>
           </p:cNvPr>
@@ -6625,7 +6405,7 @@
           <a:p>
             <a:r>
               <a:rPr lang="sv-SE" dirty="0" err="1"/>
-              <a:t>Statistics</a:t>
+              <a:t>Estimated</a:t>
             </a:r>
             <a:r>
               <a:rPr lang="sv-SE" dirty="0"/>
@@ -6633,15 +6413,7 @@
             </a:r>
             <a:r>
               <a:rPr lang="sv-SE" dirty="0" err="1"/>
-              <a:t>density</a:t>
-            </a:r>
-            <a:r>
-              <a:rPr lang="sv-SE" dirty="0"/>
-              <a:t> </a:t>
-            </a:r>
-            <a:r>
-              <a:rPr lang="sv-SE" dirty="0" err="1"/>
-              <a:t>vector</a:t>
+              <a:t>rowcount</a:t>
             </a:r>
             <a:endParaRPr lang="sv-SE" dirty="0"/>
           </a:p>
@@ -6652,7 +6424,7 @@
           <p:cNvPr id="3" name="Platshållare för innehåll 2">
             <a:extLst>
               <a:ext uri="{FF2B5EF4-FFF2-40B4-BE49-F238E27FC236}">
-                <a16:creationId xmlns:a16="http://schemas.microsoft.com/office/drawing/2014/main" id="{F9BBBC45-C383-4871-8C85-89BC35D93950}"/>
+                <a16:creationId xmlns:a16="http://schemas.microsoft.com/office/drawing/2014/main" id="{2F2AA169-6BCB-4E7A-8B22-C85364CB02F6}"/>
               </a:ext>
             </a:extLst>
           </p:cNvPr>
@@ -6665,43 +6437,130 @@
         </p:nvSpPr>
         <p:spPr/>
         <p:txBody>
-          <a:bodyPr/>
-          <a:lstStyle/>
-          <a:p>
-            <a:r>
-              <a:rPr lang="en-US" dirty="0"/>
-              <a:t>Density of leading column, then two leading columns in combination, then three leading columns…</a:t>
-            </a:r>
-          </a:p>
-          <a:p>
-            <a:r>
-              <a:rPr lang="en-US" dirty="0"/>
-              <a:t>Density = 1 / </a:t>
-            </a:r>
-            <a:r>
-              <a:rPr lang="en-US" dirty="0" err="1"/>
-              <a:t>DistinctValuesCount</a:t>
-            </a:r>
-            <a:endParaRPr lang="en-US" dirty="0"/>
-          </a:p>
-          <a:p>
-            <a:r>
-              <a:rPr lang="en-US" dirty="0"/>
-              <a:t>Gender = High density, SSN = Low density</a:t>
-            </a:r>
-          </a:p>
-          <a:p>
-            <a:r>
-              <a:rPr lang="en-US" dirty="0"/>
-              <a:t>Low Selectivity = High Density</a:t>
-            </a:r>
+          <a:bodyPr>
+            <a:normAutofit fontScale="47500" lnSpcReduction="20000"/>
+          </a:bodyPr>
+          <a:lstStyle/>
+          <a:p>
+            <a:r>
+              <a:rPr lang="en-US" sz="2400" dirty="0">
+                <a:solidFill>
+                  <a:schemeClr val="accent2"/>
+                </a:solidFill>
+              </a:rPr>
+              <a:t>With histogram</a:t>
+            </a:r>
+          </a:p>
+          <a:p>
+            <a:r>
+              <a:rPr lang="en-US" sz="2200" dirty="0" err="1"/>
+              <a:t>OrderDate</a:t>
+            </a:r>
+            <a:r>
+              <a:rPr lang="en-US" sz="2200" dirty="0"/>
+              <a:t> = 2016-08-24: 12496</a:t>
+            </a:r>
+          </a:p>
+          <a:p>
+            <a:r>
+              <a:rPr lang="en-US" sz="2200" dirty="0" err="1"/>
+              <a:t>OrderDate</a:t>
+            </a:r>
+            <a:r>
+              <a:rPr lang="en-US" sz="2200" dirty="0"/>
+              <a:t> = 2016-08-25: 0 (Optimizer will estimate 1)</a:t>
+            </a:r>
+          </a:p>
+          <a:p>
+            <a:endParaRPr lang="en-US" sz="2200" dirty="0"/>
+          </a:p>
+          <a:p>
+            <a:r>
+              <a:rPr lang="en-US" sz="2400" dirty="0">
+                <a:solidFill>
+                  <a:schemeClr val="accent2"/>
+                </a:solidFill>
+              </a:rPr>
+              <a:t>With density vector</a:t>
+            </a:r>
+          </a:p>
+          <a:p>
+            <a:r>
+              <a:rPr lang="en-US" sz="2200" dirty="0"/>
+              <a:t>D = Density for column(s) involved in equality predicate. </a:t>
+            </a:r>
+          </a:p>
+          <a:p>
+            <a:pPr lvl="1"/>
+            <a:r>
+              <a:rPr lang="en-US" sz="2000" dirty="0"/>
+              <a:t>Example: </a:t>
+            </a:r>
+            <a:r>
+              <a:rPr lang="en-US" sz="2000" dirty="0" err="1"/>
+              <a:t>OrderDate</a:t>
+            </a:r>
+            <a:r>
+              <a:rPr lang="en-US" sz="2000" dirty="0"/>
+              <a:t> = 2020-08-25. Density for </a:t>
+            </a:r>
+            <a:r>
+              <a:rPr lang="en-US" sz="2000" dirty="0" err="1"/>
+              <a:t>OrderDate</a:t>
+            </a:r>
+            <a:r>
+              <a:rPr lang="en-US" sz="2000" dirty="0"/>
+              <a:t> = 0,004</a:t>
+            </a:r>
+          </a:p>
+          <a:p>
+            <a:r>
+              <a:rPr lang="en-US" sz="2200" dirty="0"/>
+              <a:t>RC = Total number of rows in the table</a:t>
+            </a:r>
+          </a:p>
+          <a:p>
+            <a:r>
+              <a:rPr lang="en-US" sz="2200" dirty="0"/>
+              <a:t>Estimated number of rows for equality predicate: D * RC</a:t>
+            </a:r>
+          </a:p>
+          <a:p>
+            <a:r>
+              <a:rPr lang="en-US" sz="2200" dirty="0"/>
+              <a:t>2020-08-24: 0,004 x 3 124 374 = 12497</a:t>
+            </a:r>
+          </a:p>
+          <a:p>
+            <a:r>
+              <a:rPr lang="en-US" sz="2200" dirty="0"/>
+              <a:t>2020-08-25: 0,004 x 3 124 374 = 12497</a:t>
+            </a:r>
+          </a:p>
+          <a:p>
+            <a:r>
+              <a:rPr lang="en-US" sz="2200" dirty="0"/>
+              <a:t>Then came New Cardinality Estimation. More on that later…</a:t>
+            </a:r>
+          </a:p>
+          <a:p>
+            <a:endParaRPr lang="en-US" sz="2200" dirty="0"/>
+          </a:p>
+          <a:p>
+            <a:pPr marL="0" indent="0">
+              <a:buNone/>
+            </a:pPr>
+            <a:endParaRPr lang="en-US" sz="2200" dirty="0"/>
+          </a:p>
+          <a:p>
+            <a:endParaRPr lang="sv-SE" dirty="0"/>
           </a:p>
         </p:txBody>
       </p:sp>
     </p:spTree>
     <p:extLst>
       <p:ext uri="{BB962C8B-B14F-4D97-AF65-F5344CB8AC3E}">
-        <p14:creationId xmlns:p14="http://schemas.microsoft.com/office/powerpoint/2010/main" val="2261533964"/>
+        <p14:creationId xmlns:p14="http://schemas.microsoft.com/office/powerpoint/2010/main" val="1429041712"/>
       </p:ext>
     </p:extLst>
   </p:cSld>
